--- a/lecture/Lecture 03 Sept 05/03 Pandas.pptx
+++ b/lecture/Lecture 03 Sept 05/03 Pandas.pptx
@@ -201,7 +201,7 @@
           <a:p>
             <a:fld id="{4386939B-C2BD-984A-B580-7D8280183BCE}" type="datetimeFigureOut">
               <a:rPr lang="en-US" smtClean="0"/>
-              <a:t>9/3/19</a:t>
+              <a:t>9/5/19</a:t>
             </a:fld>
             <a:endParaRPr lang="en-US"/>
           </a:p>
@@ -615,7 +615,7 @@
           <a:p>
             <a:fld id="{E71BDDAC-B3A1-A34A-8F6F-602C17030888}" type="datetime1">
               <a:rPr lang="en-US" smtClean="0"/>
-              <a:t>9/3/19</a:t>
+              <a:t>9/5/19</a:t>
             </a:fld>
             <a:endParaRPr lang="en-US"/>
           </a:p>
@@ -813,7 +813,7 @@
           <a:p>
             <a:fld id="{D401DDE4-2D7D-0A4B-B873-4F13C6271F3F}" type="datetime1">
               <a:rPr lang="en-US" smtClean="0"/>
-              <a:t>9/3/19</a:t>
+              <a:t>9/5/19</a:t>
             </a:fld>
             <a:endParaRPr lang="en-US"/>
           </a:p>
@@ -1021,7 +1021,7 @@
           <a:p>
             <a:fld id="{588248A2-94C0-7648-8850-E79F070A3604}" type="datetime1">
               <a:rPr lang="en-US" smtClean="0"/>
-              <a:t>9/3/19</a:t>
+              <a:t>9/5/19</a:t>
             </a:fld>
             <a:endParaRPr lang="en-US"/>
           </a:p>
@@ -1219,7 +1219,7 @@
           <a:p>
             <a:fld id="{CB099794-B2EB-1943-BBD5-BBB575F9362D}" type="datetime1">
               <a:rPr lang="en-US" smtClean="0"/>
-              <a:t>9/3/19</a:t>
+              <a:t>9/5/19</a:t>
             </a:fld>
             <a:endParaRPr lang="en-US"/>
           </a:p>
@@ -1494,7 +1494,7 @@
           <a:p>
             <a:fld id="{22CDC646-7E1C-D342-ACAB-10A980E553F5}" type="datetime1">
               <a:rPr lang="en-US" smtClean="0"/>
-              <a:t>9/3/19</a:t>
+              <a:t>9/5/19</a:t>
             </a:fld>
             <a:endParaRPr lang="en-US"/>
           </a:p>
@@ -1759,7 +1759,7 @@
           <a:p>
             <a:fld id="{E99F6F1B-A584-9740-B9CC-3BE151A5FFD8}" type="datetime1">
               <a:rPr lang="en-US" smtClean="0"/>
-              <a:t>9/3/19</a:t>
+              <a:t>9/5/19</a:t>
             </a:fld>
             <a:endParaRPr lang="en-US"/>
           </a:p>
@@ -2171,7 +2171,7 @@
           <a:p>
             <a:fld id="{E657CEF6-DE97-8C4E-A864-E1C604BE34E3}" type="datetime1">
               <a:rPr lang="en-US" smtClean="0"/>
-              <a:t>9/3/19</a:t>
+              <a:t>9/5/19</a:t>
             </a:fld>
             <a:endParaRPr lang="en-US"/>
           </a:p>
@@ -2312,7 +2312,7 @@
           <a:p>
             <a:fld id="{0C534C16-9C82-704A-8EEE-29BA836E2F19}" type="datetime1">
               <a:rPr lang="en-US" smtClean="0"/>
-              <a:t>9/3/19</a:t>
+              <a:t>9/5/19</a:t>
             </a:fld>
             <a:endParaRPr lang="en-US"/>
           </a:p>
@@ -2425,7 +2425,7 @@
           <a:p>
             <a:fld id="{8C2566EB-4E69-A94C-9E2E-58BC3167CFA9}" type="datetime1">
               <a:rPr lang="en-US" smtClean="0"/>
-              <a:t>9/3/19</a:t>
+              <a:t>9/5/19</a:t>
             </a:fld>
             <a:endParaRPr lang="en-US"/>
           </a:p>
@@ -2736,7 +2736,7 @@
           <a:p>
             <a:fld id="{01FD3C1B-6FB8-014B-8C40-9F140E22D834}" type="datetime1">
               <a:rPr lang="en-US" smtClean="0"/>
-              <a:t>9/3/19</a:t>
+              <a:t>9/5/19</a:t>
             </a:fld>
             <a:endParaRPr lang="en-US"/>
           </a:p>
@@ -3024,7 +3024,7 @@
           <a:p>
             <a:fld id="{6F874562-6797-8A43-8A7D-25CB7BC8E00C}" type="datetime1">
               <a:rPr lang="en-US" smtClean="0"/>
-              <a:t>9/3/19</a:t>
+              <a:t>9/5/19</a:t>
             </a:fld>
             <a:endParaRPr lang="en-US"/>
           </a:p>
@@ -3265,7 +3265,7 @@
           <a:p>
             <a:fld id="{0C7551D4-79AA-D344-8FF9-1ECB79C05119}" type="datetime1">
               <a:rPr lang="en-US" smtClean="0"/>
-              <a:t>9/3/19</a:t>
+              <a:t>9/5/19</a:t>
             </a:fld>
             <a:endParaRPr lang="en-US"/>
           </a:p>
